--- a/docs/T02_OB_PRT_ver14.pptx
+++ b/docs/T02_OB_PRT_ver14.pptx
@@ -1391,6 +1391,9 @@
         <c:ser>
           <c:idx val="0"/>
           <c:order val="0"/>
+          <c:tx>
+            <c:v>Attempted</c:v>
+          </c:tx>
           <c:spPr>
             <a:ln w="28575" cap="rnd">
               <a:solidFill>
@@ -1430,13 +1433,13 @@
                   <c:v>29.04.2019</c:v>
                 </c:pt>
                 <c:pt idx="3">
-                  <c:v>06.05.2019</c:v>
+                  <c:v>5/6/19</c:v>
                 </c:pt>
                 <c:pt idx="4">
-                  <c:v>13.05.2019</c:v>
+                  <c:v>5/13/19</c:v>
                 </c:pt>
                 <c:pt idx="5">
-                  <c:v>20.05.2019</c:v>
+                  <c:v>5/20/19</c:v>
                 </c:pt>
               </c:strCache>
             </c:strRef>
@@ -1475,6 +1478,9 @@
         <c:ser>
           <c:idx val="1"/>
           <c:order val="1"/>
+          <c:tx>
+            <c:v>Passed</c:v>
+          </c:tx>
           <c:spPr>
             <a:ln w="28575" cap="rnd">
               <a:solidFill>
@@ -1514,13 +1520,13 @@
                   <c:v>29.04.2019</c:v>
                 </c:pt>
                 <c:pt idx="3">
-                  <c:v>06.05.2019</c:v>
+                  <c:v>5/6/19</c:v>
                 </c:pt>
                 <c:pt idx="4">
-                  <c:v>13.05.2019</c:v>
+                  <c:v>5/13/19</c:v>
                 </c:pt>
                 <c:pt idx="5">
-                  <c:v>20.05.2019</c:v>
+                  <c:v>5/20/19</c:v>
                 </c:pt>
               </c:strCache>
             </c:strRef>
@@ -1559,6 +1565,9 @@
         <c:ser>
           <c:idx val="2"/>
           <c:order val="2"/>
+          <c:tx>
+            <c:v>Failed</c:v>
+          </c:tx>
           <c:spPr>
             <a:ln w="28575" cap="rnd">
               <a:solidFill>
@@ -1598,13 +1607,13 @@
                   <c:v>29.04.2019</c:v>
                 </c:pt>
                 <c:pt idx="3">
-                  <c:v>06.05.2019</c:v>
+                  <c:v>5/6/19</c:v>
                 </c:pt>
                 <c:pt idx="4">
-                  <c:v>13.05.2019</c:v>
+                  <c:v>5/13/19</c:v>
                 </c:pt>
                 <c:pt idx="5">
-                  <c:v>20.05.2019</c:v>
+                  <c:v>5/20/19</c:v>
                 </c:pt>
               </c:strCache>
             </c:strRef>
@@ -11729,7 +11738,7 @@
           <p:nvPr>
             <p:extLst>
               <p:ext uri="{D42A27DB-BD31-4B8C-83A1-F6EECF244321}">
-                <p14:modId xmlns:p14="http://schemas.microsoft.com/office/powerpoint/2010/main" val="1923699096"/>
+                <p14:modId xmlns:p14="http://schemas.microsoft.com/office/powerpoint/2010/main" val="2824541443"/>
               </p:ext>
             </p:extLst>
           </p:nvPr>
